--- a/Minikube/Minikube als Docker Engine.pptx
+++ b/Minikube/Minikube als Docker Engine.pptx
@@ -217,7 +217,7 @@
             <a:fld id="{DDF2FCE7-7AFA-9242-BECB-A61CE0BE95A1}" type="datetimeFigureOut">
               <a:rPr lang="nl-NL" smtClean="0"/>
               <a:pPr/>
-              <a:t>16-5-2020</a:t>
+              <a:t>17-5-2020</a:t>
             </a:fld>
             <a:endParaRPr lang="nl-NL"/>
           </a:p>
@@ -532,25 +532,57 @@
           <a:p>
             <a:r>
               <a:rPr lang="nl-NL" dirty="0" smtClean="0"/>
-              <a:t>Ik ben René Paul</a:t>
-            </a:r>
-          </a:p>
-          <a:p>
+              <a:t>René </a:t>
+            </a:r>
             <a:r>
               <a:rPr lang="nl-NL" dirty="0" smtClean="0"/>
-              <a:t>Ik werk bij Virtual Sciences als Integratie Specialist. Dat doe ik nog niet zo heel lang, bijna 3 jaar.</a:t>
+              <a:t>Paul</a:t>
             </a:r>
           </a:p>
           <a:p>
             <a:r>
               <a:rPr lang="nl-NL" dirty="0" smtClean="0"/>
-              <a:t>Daarvoor was ik al wel ruim 20 jaar werkzaam in de IT, voornamelijk als programmeur. </a:t>
-            </a:r>
-          </a:p>
-          <a:p>
+              <a:t>Virtual Sciences, Integratie Specialist, bijna </a:t>
+            </a:r>
             <a:r>
               <a:rPr lang="nl-NL" dirty="0" smtClean="0"/>
-              <a:t>Momenteel werk ik bij CZ zorgverzekeringen en daar bouw ik integraties met IBM Integration Bus</a:t>
+              <a:t>3 jaar.</a:t>
+            </a:r>
+          </a:p>
+          <a:p>
+            <a:r>
+              <a:rPr lang="nl-NL" dirty="0" err="1" smtClean="0"/>
+              <a:t>Daaroor</a:t>
+            </a:r>
+            <a:r>
+              <a:rPr lang="nl-NL" dirty="0" smtClean="0"/>
+              <a:t> ruim </a:t>
+            </a:r>
+            <a:r>
+              <a:rPr lang="nl-NL" dirty="0" smtClean="0"/>
+              <a:t>20 jaar </a:t>
+            </a:r>
+            <a:r>
+              <a:rPr lang="nl-NL" dirty="0" smtClean="0"/>
+              <a:t>programmeur</a:t>
+            </a:r>
+            <a:r>
+              <a:rPr lang="nl-NL" dirty="0" smtClean="0"/>
+              <a:t>. </a:t>
+            </a:r>
+          </a:p>
+          <a:p>
+            <a:r>
+              <a:rPr lang="nl-NL" dirty="0" smtClean="0"/>
+              <a:t>Momenteel </a:t>
+            </a:r>
+            <a:r>
+              <a:rPr lang="nl-NL" dirty="0" smtClean="0"/>
+              <a:t>CZ zorgverzekeringen,  bouw integraties </a:t>
+            </a:r>
+            <a:r>
+              <a:rPr lang="nl-NL" dirty="0" smtClean="0"/>
+              <a:t>met IBM Integration Bus</a:t>
             </a:r>
           </a:p>
           <a:p>
@@ -589,7 +621,19 @@
           <a:p>
             <a:r>
               <a:rPr lang="nl-NL" dirty="0" smtClean="0"/>
-              <a:t>poll van vorige keer (8 van de 9 stemmers)</a:t>
+              <a:t>Populair</a:t>
+            </a:r>
+            <a:r>
+              <a:rPr lang="nl-NL" baseline="0" dirty="0" smtClean="0"/>
+              <a:t> onderwerp: </a:t>
+            </a:r>
+            <a:r>
+              <a:rPr lang="nl-NL" dirty="0" smtClean="0"/>
+              <a:t>poll </a:t>
+            </a:r>
+            <a:r>
+              <a:rPr lang="nl-NL" dirty="0" smtClean="0"/>
+              <a:t>van vorige keer (8 van de 9 stemmers)</a:t>
             </a:r>
             <a:endParaRPr lang="nl-NL" dirty="0"/>
           </a:p>
@@ -765,10 +809,12 @@
           <a:p>
             <a:r>
               <a:rPr lang="nl-NL" dirty="0" smtClean="0"/>
-              <a:t>Weekje vrij, genoemde voorbeelden heel handig als lokaal file systeem kunt gebruiken als persistente storage zodat niet steeds je data kwijt of </a:t>
-            </a:r>
-          </a:p>
-          <a:p>
+              <a:t>Weekje vrij, genoemde voorbeelden heel handig als lokaal file systeem kunt gebruiken als persistente </a:t>
+            </a:r>
+            <a:r>
+              <a:rPr lang="nl-NL" dirty="0" smtClean="0"/>
+              <a:t>storage</a:t>
+            </a:r>
             <a:endParaRPr lang="nl-NL" dirty="0" smtClean="0"/>
           </a:p>
           <a:p>
@@ -917,6 +963,91 @@
     <p:extLst>
       <p:ext uri="{BB962C8B-B14F-4D97-AF65-F5344CB8AC3E}">
         <p14:creationId xmlns:p14="http://schemas.microsoft.com/office/powerpoint/2010/main" val="2611647090"/>
+      </p:ext>
+    </p:extLst>
+  </p:cSld>
+  <p:clrMapOvr>
+    <a:masterClrMapping/>
+  </p:clrMapOvr>
+</p:notes>
+</file>
+
+<file path=ppt/notesSlides/notesSlide4.xml><?xml version="1.0" encoding="utf-8"?>
+<p:notes xmlns:a="http://schemas.openxmlformats.org/drawingml/2006/main" xmlns:r="http://schemas.openxmlformats.org/officeDocument/2006/relationships" xmlns:p="http://schemas.openxmlformats.org/presentationml/2006/main">
+  <p:cSld>
+    <p:spTree>
+      <p:nvGrpSpPr>
+        <p:cNvPr id="1" name=""/>
+        <p:cNvGrpSpPr/>
+        <p:nvPr/>
+      </p:nvGrpSpPr>
+      <p:grpSpPr>
+        <a:xfrm>
+          <a:off x="0" y="0"/>
+          <a:ext cx="0" cy="0"/>
+          <a:chOff x="0" y="0"/>
+          <a:chExt cx="0" cy="0"/>
+        </a:xfrm>
+      </p:grpSpPr>
+      <p:sp>
+        <p:nvSpPr>
+          <p:cNvPr id="2" name="Slide Image Placeholder 1"/>
+          <p:cNvSpPr>
+            <a:spLocks noGrp="1" noRot="1" noChangeAspect="1"/>
+          </p:cNvSpPr>
+          <p:nvPr>
+            <p:ph type="sldImg"/>
+          </p:nvPr>
+        </p:nvSpPr>
+        <p:spPr/>
+      </p:sp>
+      <p:sp>
+        <p:nvSpPr>
+          <p:cNvPr id="3" name="Notes Placeholder 2"/>
+          <p:cNvSpPr>
+            <a:spLocks noGrp="1"/>
+          </p:cNvSpPr>
+          <p:nvPr>
+            <p:ph type="body" idx="1"/>
+          </p:nvPr>
+        </p:nvSpPr>
+        <p:spPr/>
+        <p:txBody>
+          <a:bodyPr/>
+          <a:lstStyle/>
+          <a:p>
+            <a:endParaRPr lang="nl-NL" dirty="0"/>
+          </a:p>
+        </p:txBody>
+      </p:sp>
+      <p:sp>
+        <p:nvSpPr>
+          <p:cNvPr id="4" name="Slide Number Placeholder 3"/>
+          <p:cNvSpPr>
+            <a:spLocks noGrp="1"/>
+          </p:cNvSpPr>
+          <p:nvPr>
+            <p:ph type="sldNum" sz="quarter" idx="10"/>
+          </p:nvPr>
+        </p:nvSpPr>
+        <p:spPr/>
+        <p:txBody>
+          <a:bodyPr/>
+          <a:lstStyle/>
+          <a:p>
+            <a:fld id="{CDFB967C-E8DF-AF4B-9B57-A68D256EEC90}" type="slidenum">
+              <a:rPr lang="nl-NL" smtClean="0"/>
+              <a:pPr/>
+              <a:t>9</a:t>
+            </a:fld>
+            <a:endParaRPr lang="nl-NL"/>
+          </a:p>
+        </p:txBody>
+      </p:sp>
+    </p:spTree>
+    <p:extLst>
+      <p:ext uri="{BB962C8B-B14F-4D97-AF65-F5344CB8AC3E}">
+        <p14:creationId xmlns:p14="http://schemas.microsoft.com/office/powerpoint/2010/main" val="2179877761"/>
       </p:ext>
     </p:extLst>
   </p:cSld>
@@ -1279,7 +1410,7 @@
             <a:fld id="{A9710CDB-38B1-8E43-A846-6FE3B07A872E}" type="datetime1">
               <a:rPr lang="en-US" noProof="0" smtClean="0"/>
               <a:pPr/>
-              <a:t>5/16/2020</a:t>
+              <a:t>5/17/2020</a:t>
             </a:fld>
             <a:endParaRPr lang="nl-NL" noProof="0" dirty="0"/>
           </a:p>
@@ -1667,7 +1798,7 @@
             <a:fld id="{12D8B67E-1464-254D-876A-5A059C6CA686}" type="datetime1">
               <a:rPr lang="en-US" smtClean="0"/>
               <a:pPr/>
-              <a:t>5/16/2020</a:t>
+              <a:t>5/17/2020</a:t>
             </a:fld>
             <a:endParaRPr lang="nl-NL"/>
           </a:p>
@@ -2087,7 +2218,7 @@
             <a:fld id="{1297756A-AF1A-B249-A7CF-A1AE4E86FA38}" type="datetime1">
               <a:rPr lang="en-US" smtClean="0"/>
               <a:pPr/>
-              <a:t>5/16/2020</a:t>
+              <a:t>5/17/2020</a:t>
             </a:fld>
             <a:endParaRPr lang="nl-NL"/>
           </a:p>
@@ -2448,7 +2579,7 @@
             <a:fld id="{37C8E900-D3BD-ED44-9070-3471A5611DC2}" type="datetime1">
               <a:rPr lang="en-US" smtClean="0"/>
               <a:pPr/>
-              <a:t>5/16/2020</a:t>
+              <a:t>5/17/2020</a:t>
             </a:fld>
             <a:endParaRPr lang="nl-NL"/>
           </a:p>
@@ -2626,7 +2757,7 @@
             <a:fld id="{203D5A3F-EB4E-3340-8D19-07B028CB11AD}" type="datetime1">
               <a:rPr lang="en-US" smtClean="0"/>
               <a:pPr/>
-              <a:t>5/16/2020</a:t>
+              <a:t>5/17/2020</a:t>
             </a:fld>
             <a:endParaRPr lang="nl-NL"/>
           </a:p>
@@ -3537,7 +3668,7 @@
             <a:fld id="{405216DA-0E4B-CC41-ACBF-76C3BC02E189}" type="datetime1">
               <a:rPr lang="en-US" smtClean="0"/>
               <a:pPr/>
-              <a:t>5/16/2020</a:t>
+              <a:t>5/17/2020</a:t>
             </a:fld>
             <a:endParaRPr lang="nl-NL"/>
           </a:p>
@@ -3786,7 +3917,7 @@
             <a:fld id="{779D8D44-D820-BB49-9309-B66E37C4EE70}" type="datetime1">
               <a:rPr lang="en-US" smtClean="0"/>
               <a:pPr/>
-              <a:t>5/16/2020</a:t>
+              <a:t>5/17/2020</a:t>
             </a:fld>
             <a:endParaRPr lang="nl-NL"/>
           </a:p>
@@ -4036,7 +4167,7 @@
             <a:fld id="{A4AB6030-B80C-7C4C-B97F-1ADFAB53E146}" type="datetime1">
               <a:rPr lang="en-US" smtClean="0"/>
               <a:pPr/>
-              <a:t>5/16/2020</a:t>
+              <a:t>5/17/2020</a:t>
             </a:fld>
             <a:endParaRPr lang="nl-NL"/>
           </a:p>
@@ -4203,7 +4334,7 @@
             <a:fld id="{DA73B474-0AB7-8846-BA6A-67033A8CF4FA}" type="datetime1">
               <a:rPr lang="en-US" smtClean="0"/>
               <a:pPr/>
-              <a:t>5/16/2020</a:t>
+              <a:t>5/17/2020</a:t>
             </a:fld>
             <a:endParaRPr lang="nl-NL"/>
           </a:p>
@@ -4666,7 +4797,7 @@
             <a:fld id="{56BA50C8-7311-E14C-816D-7251E320C8DC}" type="datetime1">
               <a:rPr lang="en-US" smtClean="0"/>
               <a:pPr/>
-              <a:t>5/16/2020</a:t>
+              <a:t>5/17/2020</a:t>
             </a:fld>
             <a:endParaRPr lang="nl-NL"/>
           </a:p>
@@ -5279,7 +5410,7 @@
             <a:fld id="{A9710CDB-38B1-8E43-A846-6FE3B07A872E}" type="datetime1">
               <a:rPr lang="en-US" noProof="0" smtClean="0"/>
               <a:pPr/>
-              <a:t>5/16/2020</a:t>
+              <a:t>5/17/2020</a:t>
             </a:fld>
             <a:endParaRPr lang="nl-NL" noProof="0" dirty="0"/>
           </a:p>
@@ -5580,7 +5711,7 @@
             <a:fld id="{E300D605-E2BB-8B4E-A2F3-5A64231C34A6}" type="datetime1">
               <a:rPr lang="en-US" smtClean="0"/>
               <a:pPr/>
-              <a:t>5/16/2020</a:t>
+              <a:t>5/17/2020</a:t>
             </a:fld>
             <a:endParaRPr lang="nl-NL"/>
           </a:p>
@@ -6147,11 +6278,6 @@
               </a:rPr>
               <a:t>ubernetes cluster</a:t>
             </a:r>
-            <a:endParaRPr lang="nl-NL" sz="1800" dirty="0" smtClean="0">
-              <a:solidFill>
-                <a:schemeClr val="bg1"/>
-              </a:solidFill>
-            </a:endParaRPr>
           </a:p>
         </p:txBody>
       </p:sp>
@@ -6374,15 +6500,7 @@
             </a:pPr>
             <a:r>
               <a:rPr lang="nl-NL" dirty="0" smtClean="0"/>
-              <a:t>(n</a:t>
-            </a:r>
-            <a:r>
-              <a:rPr lang="nl-NL" dirty="0" smtClean="0"/>
-              <a:t>og) geen c</a:t>
-            </a:r>
-            <a:r>
-              <a:rPr lang="nl-NL" dirty="0" smtClean="0"/>
-              <a:t>ontainers in dagelijkse praktijk</a:t>
+              <a:t>(nog) geen containers in dagelijkse praktijk</a:t>
             </a:r>
           </a:p>
           <a:p>
@@ -6403,19 +6521,11 @@
             </a:r>
             <a:r>
               <a:rPr lang="nl-NL" dirty="0" smtClean="0"/>
-              <a:t>om wel steeds vaker containers tegen voor lokaal </a:t>
-            </a:r>
-            <a:r>
-              <a:rPr lang="nl-NL" dirty="0" smtClean="0"/>
-              <a:t>uitproberen en onderzoeken van software (NGINX, </a:t>
+              <a:t>om wel steeds vaker containers tegen voor lokaal uitproberen en onderzoeken van software (NGINX, </a:t>
             </a:r>
             <a:r>
               <a:rPr lang="nl-NL" dirty="0" err="1" smtClean="0"/>
-              <a:t>M</a:t>
-            </a:r>
-            <a:r>
-              <a:rPr lang="nl-NL" dirty="0" err="1" smtClean="0"/>
-              <a:t>ongoDB</a:t>
+              <a:t>MongoDB</a:t>
             </a:r>
             <a:r>
               <a:rPr lang="nl-NL" dirty="0" smtClean="0"/>
@@ -6437,7 +6547,6 @@
               <a:rPr lang="nl-NL" dirty="0" smtClean="0"/>
               <a:t>)</a:t>
             </a:r>
-            <a:endParaRPr lang="nl-NL" dirty="0" smtClean="0"/>
           </a:p>
           <a:p>
             <a:pPr marL="342900" indent="-342900">
@@ -6511,8 +6620,17 @@
             </a:r>
             <a:r>
               <a:rPr lang="nl-NL" dirty="0" smtClean="0"/>
-              <a:t> van volumes naar lokale file systeem</a:t>
-            </a:r>
+              <a:t> van volumes naar lokale </a:t>
+            </a:r>
+            <a:r>
+              <a:rPr lang="nl-NL" smtClean="0"/>
+              <a:t>file </a:t>
+            </a:r>
+            <a:r>
+              <a:rPr lang="nl-NL" smtClean="0"/>
+              <a:t>systeem GELUKT ;-)</a:t>
+            </a:r>
+            <a:endParaRPr lang="nl-NL" dirty="0" smtClean="0"/>
           </a:p>
           <a:p>
             <a:pPr marL="342900" indent="-342900">
@@ -10404,6 +10522,15 @@
 </file>
 
 <file path=customXml/item2.xml><?xml version="1.0" encoding="utf-8"?>
+<?mso-contentType ?>
+<FormTemplates xmlns="http://schemas.microsoft.com/sharepoint/v3/contenttype/forms">
+  <Display>DocumentLibraryForm</Display>
+  <Edit>DocumentLibraryForm</Edit>
+  <New>DocumentLibraryForm</New>
+</FormTemplates>
+</file>
+
+<file path=customXml/item3.xml><?xml version="1.0" encoding="utf-8"?>
 <ct:contentTypeSchema xmlns:ct="http://schemas.microsoft.com/office/2006/metadata/contentType" xmlns:ma="http://schemas.microsoft.com/office/2006/metadata/properties/metaAttributes" ct:_="" ma:_="" ma:contentTypeName="Document" ma:contentTypeID="0x010100E60B9E64A7B90B499F767EB2F0BD9B16" ma:contentTypeVersion="6" ma:contentTypeDescription="Een nieuw document maken." ma:contentTypeScope="" ma:versionID="b06164b3fd5da11ca9f7bb1b82024672">
   <xsd:schema xmlns:xsd="http://www.w3.org/2001/XMLSchema" xmlns:xs="http://www.w3.org/2001/XMLSchema" xmlns:p="http://schemas.microsoft.com/office/2006/metadata/properties" xmlns:ns2="bd3a200e-a112-4432-b134-79c9e3991b87" xmlns:ns3="a74c57c6-afd1-46a5-a503-29300b13d321" targetNamespace="http://schemas.microsoft.com/office/2006/metadata/properties" ma:root="true" ma:fieldsID="12483fe1a591bf0ffa72e05baf87ef3d" ns2:_="" ns3:_="">
     <xsd:import namespace="bd3a200e-a112-4432-b134-79c9e3991b87"/>
@@ -10580,15 +10707,6 @@
 </ct:contentTypeSchema>
 </file>
 
-<file path=customXml/item3.xml><?xml version="1.0" encoding="utf-8"?>
-<?mso-contentType ?>
-<FormTemplates xmlns="http://schemas.microsoft.com/sharepoint/v3/contenttype/forms">
-  <Display>DocumentLibraryForm</Display>
-  <Edit>DocumentLibraryForm</Edit>
-  <New>DocumentLibraryForm</New>
-</FormTemplates>
-</file>
-
 <file path=customXml/itemProps1.xml><?xml version="1.0" encoding="utf-8"?>
 <ds:datastoreItem xmlns:ds="http://schemas.openxmlformats.org/officeDocument/2006/customXml" ds:itemID="{514669BA-64E8-4DCA-8C0D-EC6E9A3500FE}">
   <ds:schemaRefs>
@@ -10607,6 +10725,14 @@
 </file>
 
 <file path=customXml/itemProps2.xml><?xml version="1.0" encoding="utf-8"?>
+<ds:datastoreItem xmlns:ds="http://schemas.openxmlformats.org/officeDocument/2006/customXml" ds:itemID="{BEECCCA1-57FF-4387-A78E-B9775856FB98}">
+  <ds:schemaRefs>
+    <ds:schemaRef ds:uri="http://schemas.microsoft.com/sharepoint/v3/contenttype/forms"/>
+  </ds:schemaRefs>
+</ds:datastoreItem>
+</file>
+
+<file path=customXml/itemProps3.xml><?xml version="1.0" encoding="utf-8"?>
 <ds:datastoreItem xmlns:ds="http://schemas.openxmlformats.org/officeDocument/2006/customXml" ds:itemID="{9A6A6F51-3281-4552-84AB-2CCA62C3AA44}">
   <ds:schemaRefs>
     <ds:schemaRef ds:uri="http://schemas.microsoft.com/office/2006/metadata/contentType"/>
@@ -10623,12 +10749,4 @@
     <ds:schemaRef ds:uri="http://schemas.microsoft.com/internal/obd"/>
   </ds:schemaRefs>
 </ds:datastoreItem>
-</file>
-
-<file path=customXml/itemProps3.xml><?xml version="1.0" encoding="utf-8"?>
-<ds:datastoreItem xmlns:ds="http://schemas.openxmlformats.org/officeDocument/2006/customXml" ds:itemID="{BEECCCA1-57FF-4387-A78E-B9775856FB98}">
-  <ds:schemaRefs>
-    <ds:schemaRef ds:uri="http://schemas.microsoft.com/sharepoint/v3/contenttype/forms"/>
-  </ds:schemaRefs>
-</ds:datastoreItem>
 </file>